--- a/chapter_06/figures/optuna_parameters_importance_random_forest_xgboost.pptx
+++ b/chapter_06/figures/optuna_parameters_importance_random_forest_xgboost.pptx
@@ -115,8 +115,7 @@
 <file path=ppt/revisionInfo.xml><?xml version="1.0" encoding="utf-8"?>
 <p1510:revInfo xmlns:a="http://schemas.openxmlformats.org/drawingml/2006/main" xmlns:r="http://schemas.openxmlformats.org/officeDocument/2006/relationships" xmlns:p1510="http://schemas.microsoft.com/office/powerpoint/2015/10/main">
   <p1510:revLst>
-    <p1510:client id="{19698738-8B30-4641-92DF-503FDCF97601}" v="52" dt="2025-07-03T12:06:33.727"/>
-    <p1510:client id="{2F1B825C-ADF6-458B-BD90-C6378241C558}" v="29" dt="2025-07-03T15:51:47.028"/>
+    <p1510:client id="{920D667C-ADD6-43D6-9D4D-BFAA0BFE2292}" v="5" dt="2025-07-04T19:50:06.579"/>
   </p1510:revLst>
 </p1510:revInfo>
 </file>
@@ -125,8 +124,8 @@
 <pc:chgInfo xmlns:a="http://schemas.openxmlformats.org/drawingml/2006/main" xmlns:r="http://schemas.openxmlformats.org/officeDocument/2006/relationships" xmlns:ac="http://schemas.microsoft.com/office/drawing/2013/main/command" xmlns:pc="http://schemas.microsoft.com/office/powerpoint/2013/main/command">
   <pc:docChgLst>
     <pc:chgData name="Fatima Pillosu" userId="a6295d4dc9e22643" providerId="LiveId" clId="{920D667C-ADD6-43D6-9D4D-BFAA0BFE2292}"/>
-    <pc:docChg chg="delSld">
-      <pc:chgData name="Fatima Pillosu" userId="a6295d4dc9e22643" providerId="LiveId" clId="{920D667C-ADD6-43D6-9D4D-BFAA0BFE2292}" dt="2025-07-03T16:04:10.207" v="0" actId="47"/>
+    <pc:docChg chg="custSel delSld modSld">
+      <pc:chgData name="Fatima Pillosu" userId="a6295d4dc9e22643" providerId="LiveId" clId="{920D667C-ADD6-43D6-9D4D-BFAA0BFE2292}" dt="2025-07-04T19:51:31.318" v="84" actId="20577"/>
       <pc:docMkLst>
         <pc:docMk/>
       </pc:docMkLst>
@@ -164,6 +163,261 @@
           <pc:docMk/>
           <pc:sldMk cId="2854269503" sldId="260"/>
         </pc:sldMkLst>
+      </pc:sldChg>
+      <pc:sldChg chg="addSp delSp modSp mod">
+        <pc:chgData name="Fatima Pillosu" userId="a6295d4dc9e22643" providerId="LiveId" clId="{920D667C-ADD6-43D6-9D4D-BFAA0BFE2292}" dt="2025-07-04T19:51:31.318" v="84" actId="20577"/>
+        <pc:sldMkLst>
+          <pc:docMk/>
+          <pc:sldMk cId="2481128773" sldId="261"/>
+        </pc:sldMkLst>
+        <pc:spChg chg="add mod">
+          <ac:chgData name="Fatima Pillosu" userId="a6295d4dc9e22643" providerId="LiveId" clId="{920D667C-ADD6-43D6-9D4D-BFAA0BFE2292}" dt="2025-07-04T19:51:31.318" v="84" actId="20577"/>
+          <ac:spMkLst>
+            <pc:docMk/>
+            <pc:sldMk cId="2481128773" sldId="261"/>
+            <ac:spMk id="7" creationId="{A95D2C98-D609-E87E-8BF3-B1364D1C2B56}"/>
+          </ac:spMkLst>
+        </pc:spChg>
+        <pc:spChg chg="add mod">
+          <ac:chgData name="Fatima Pillosu" userId="a6295d4dc9e22643" providerId="LiveId" clId="{920D667C-ADD6-43D6-9D4D-BFAA0BFE2292}" dt="2025-07-04T19:50:06.579" v="33"/>
+          <ac:spMkLst>
+            <pc:docMk/>
+            <pc:sldMk cId="2481128773" sldId="261"/>
+            <ac:spMk id="9" creationId="{CCBB571A-53DD-896D-E196-1912E8475CAC}"/>
+          </ac:spMkLst>
+        </pc:spChg>
+        <pc:spChg chg="add mod">
+          <ac:chgData name="Fatima Pillosu" userId="a6295d4dc9e22643" providerId="LiveId" clId="{920D667C-ADD6-43D6-9D4D-BFAA0BFE2292}" dt="2025-07-04T19:50:06.579" v="33"/>
+          <ac:spMkLst>
+            <pc:docMk/>
+            <pc:sldMk cId="2481128773" sldId="261"/>
+            <ac:spMk id="10" creationId="{A9D2540C-7318-CE44-8EE5-12C53CBC049C}"/>
+          </ac:spMkLst>
+        </pc:spChg>
+        <pc:spChg chg="add mod">
+          <ac:chgData name="Fatima Pillosu" userId="a6295d4dc9e22643" providerId="LiveId" clId="{920D667C-ADD6-43D6-9D4D-BFAA0BFE2292}" dt="2025-07-04T19:50:06.579" v="33"/>
+          <ac:spMkLst>
+            <pc:docMk/>
+            <pc:sldMk cId="2481128773" sldId="261"/>
+            <ac:spMk id="12" creationId="{799B682B-14C1-FB18-1367-54FCE7D13DDD}"/>
+          </ac:spMkLst>
+        </pc:spChg>
+        <pc:spChg chg="add mod">
+          <ac:chgData name="Fatima Pillosu" userId="a6295d4dc9e22643" providerId="LiveId" clId="{920D667C-ADD6-43D6-9D4D-BFAA0BFE2292}" dt="2025-07-04T19:50:06.579" v="33"/>
+          <ac:spMkLst>
+            <pc:docMk/>
+            <pc:sldMk cId="2481128773" sldId="261"/>
+            <ac:spMk id="14" creationId="{BF5B867D-BE20-D43B-71B6-3C7997E3B662}"/>
+          </ac:spMkLst>
+        </pc:spChg>
+        <pc:spChg chg="add mod">
+          <ac:chgData name="Fatima Pillosu" userId="a6295d4dc9e22643" providerId="LiveId" clId="{920D667C-ADD6-43D6-9D4D-BFAA0BFE2292}" dt="2025-07-04T19:50:06.579" v="33"/>
+          <ac:spMkLst>
+            <pc:docMk/>
+            <pc:sldMk cId="2481128773" sldId="261"/>
+            <ac:spMk id="15" creationId="{7AD9178F-7A4A-50FD-8DB4-52F47C753C1B}"/>
+          </ac:spMkLst>
+        </pc:spChg>
+        <pc:spChg chg="add mod">
+          <ac:chgData name="Fatima Pillosu" userId="a6295d4dc9e22643" providerId="LiveId" clId="{920D667C-ADD6-43D6-9D4D-BFAA0BFE2292}" dt="2025-07-04T19:50:06.579" v="33"/>
+          <ac:spMkLst>
+            <pc:docMk/>
+            <pc:sldMk cId="2481128773" sldId="261"/>
+            <ac:spMk id="16" creationId="{0604F270-58A5-C9CB-A8D3-B4D696D39C7A}"/>
+          </ac:spMkLst>
+        </pc:spChg>
+        <pc:spChg chg="add mod">
+          <ac:chgData name="Fatima Pillosu" userId="a6295d4dc9e22643" providerId="LiveId" clId="{920D667C-ADD6-43D6-9D4D-BFAA0BFE2292}" dt="2025-07-04T19:50:06.579" v="33"/>
+          <ac:spMkLst>
+            <pc:docMk/>
+            <pc:sldMk cId="2481128773" sldId="261"/>
+            <ac:spMk id="17" creationId="{EA1B7902-03D4-D94F-9C44-264210197DE6}"/>
+          </ac:spMkLst>
+        </pc:spChg>
+        <pc:spChg chg="add mod">
+          <ac:chgData name="Fatima Pillosu" userId="a6295d4dc9e22643" providerId="LiveId" clId="{920D667C-ADD6-43D6-9D4D-BFAA0BFE2292}" dt="2025-07-04T19:50:06.579" v="33"/>
+          <ac:spMkLst>
+            <pc:docMk/>
+            <pc:sldMk cId="2481128773" sldId="261"/>
+            <ac:spMk id="18" creationId="{34DB0933-CB7F-00E7-228E-CA8A963E6B88}"/>
+          </ac:spMkLst>
+        </pc:spChg>
+        <pc:spChg chg="add mod">
+          <ac:chgData name="Fatima Pillosu" userId="a6295d4dc9e22643" providerId="LiveId" clId="{920D667C-ADD6-43D6-9D4D-BFAA0BFE2292}" dt="2025-07-04T19:50:06.579" v="33"/>
+          <ac:spMkLst>
+            <pc:docMk/>
+            <pc:sldMk cId="2481128773" sldId="261"/>
+            <ac:spMk id="22" creationId="{8F237DCB-9195-7378-AC05-BE7B0B1086E5}"/>
+          </ac:spMkLst>
+        </pc:spChg>
+        <pc:spChg chg="add mod">
+          <ac:chgData name="Fatima Pillosu" userId="a6295d4dc9e22643" providerId="LiveId" clId="{920D667C-ADD6-43D6-9D4D-BFAA0BFE2292}" dt="2025-07-04T19:50:06.579" v="33"/>
+          <ac:spMkLst>
+            <pc:docMk/>
+            <pc:sldMk cId="2481128773" sldId="261"/>
+            <ac:spMk id="23" creationId="{047CE1CD-049B-F3DD-EF30-4C0F53130A8B}"/>
+          </ac:spMkLst>
+        </pc:spChg>
+        <pc:spChg chg="del mod">
+          <ac:chgData name="Fatima Pillosu" userId="a6295d4dc9e22643" providerId="LiveId" clId="{920D667C-ADD6-43D6-9D4D-BFAA0BFE2292}" dt="2025-07-04T19:49:59.909" v="31" actId="478"/>
+          <ac:spMkLst>
+            <pc:docMk/>
+            <pc:sldMk cId="2481128773" sldId="261"/>
+            <ac:spMk id="24" creationId="{7CA80247-944D-A79D-DD75-278A2FC157C4}"/>
+          </ac:spMkLst>
+        </pc:spChg>
+        <pc:spChg chg="del">
+          <ac:chgData name="Fatima Pillosu" userId="a6295d4dc9e22643" providerId="LiveId" clId="{920D667C-ADD6-43D6-9D4D-BFAA0BFE2292}" dt="2025-07-04T19:50:01.219" v="32" actId="478"/>
+          <ac:spMkLst>
+            <pc:docMk/>
+            <pc:sldMk cId="2481128773" sldId="261"/>
+            <ac:spMk id="25" creationId="{11D0BEA8-4C97-735F-B454-B20FE6FD6664}"/>
+          </ac:spMkLst>
+        </pc:spChg>
+        <pc:spChg chg="del">
+          <ac:chgData name="Fatima Pillosu" userId="a6295d4dc9e22643" providerId="LiveId" clId="{920D667C-ADD6-43D6-9D4D-BFAA0BFE2292}" dt="2025-07-04T19:50:01.219" v="32" actId="478"/>
+          <ac:spMkLst>
+            <pc:docMk/>
+            <pc:sldMk cId="2481128773" sldId="261"/>
+            <ac:spMk id="26" creationId="{C958D7B8-BC29-7508-F405-77D6128B8AFF}"/>
+          </ac:spMkLst>
+        </pc:spChg>
+        <pc:spChg chg="del">
+          <ac:chgData name="Fatima Pillosu" userId="a6295d4dc9e22643" providerId="LiveId" clId="{920D667C-ADD6-43D6-9D4D-BFAA0BFE2292}" dt="2025-07-04T19:49:59.909" v="31" actId="478"/>
+          <ac:spMkLst>
+            <pc:docMk/>
+            <pc:sldMk cId="2481128773" sldId="261"/>
+            <ac:spMk id="31" creationId="{204795FA-B9E8-F8C0-D0CC-0DA8FCD26B47}"/>
+          </ac:spMkLst>
+        </pc:spChg>
+        <pc:spChg chg="del">
+          <ac:chgData name="Fatima Pillosu" userId="a6295d4dc9e22643" providerId="LiveId" clId="{920D667C-ADD6-43D6-9D4D-BFAA0BFE2292}" dt="2025-07-04T19:49:59.909" v="31" actId="478"/>
+          <ac:spMkLst>
+            <pc:docMk/>
+            <pc:sldMk cId="2481128773" sldId="261"/>
+            <ac:spMk id="32" creationId="{AEF58A4C-D7E5-1DB7-8CBA-638A2D2BAD88}"/>
+          </ac:spMkLst>
+        </pc:spChg>
+        <pc:picChg chg="add del mod">
+          <ac:chgData name="Fatima Pillosu" userId="a6295d4dc9e22643" providerId="LiveId" clId="{920D667C-ADD6-43D6-9D4D-BFAA0BFE2292}" dt="2025-07-04T19:50:26.130" v="38" actId="478"/>
+          <ac:picMkLst>
+            <pc:docMk/>
+            <pc:sldMk cId="2481128773" sldId="261"/>
+            <ac:picMk id="2" creationId="{59ED9A1B-1D54-039C-1DE3-8B368F10A44E}"/>
+          </ac:picMkLst>
+        </pc:picChg>
+        <pc:picChg chg="add del mod">
+          <ac:chgData name="Fatima Pillosu" userId="a6295d4dc9e22643" providerId="LiveId" clId="{920D667C-ADD6-43D6-9D4D-BFAA0BFE2292}" dt="2025-07-04T19:50:26.130" v="38" actId="478"/>
+          <ac:picMkLst>
+            <pc:docMk/>
+            <pc:sldMk cId="2481128773" sldId="261"/>
+            <ac:picMk id="3" creationId="{3214B3BB-0A45-0AA2-A41C-7558E32FBEC7}"/>
+          </ac:picMkLst>
+        </pc:picChg>
+        <pc:picChg chg="del mod">
+          <ac:chgData name="Fatima Pillosu" userId="a6295d4dc9e22643" providerId="LiveId" clId="{920D667C-ADD6-43D6-9D4D-BFAA0BFE2292}" dt="2025-07-04T14:29:47.051" v="26" actId="478"/>
+          <ac:picMkLst>
+            <pc:docMk/>
+            <pc:sldMk cId="2481128773" sldId="261"/>
+            <ac:picMk id="3" creationId="{B96DA2C8-39B5-35E0-BBCF-9BBB9E91EB89}"/>
+          </ac:picMkLst>
+        </pc:picChg>
+        <pc:picChg chg="add mod ord">
+          <ac:chgData name="Fatima Pillosu" userId="a6295d4dc9e22643" providerId="LiveId" clId="{920D667C-ADD6-43D6-9D4D-BFAA0BFE2292}" dt="2025-07-04T19:50:44.902" v="54" actId="553"/>
+          <ac:picMkLst>
+            <pc:docMk/>
+            <pc:sldMk cId="2481128773" sldId="261"/>
+            <ac:picMk id="4" creationId="{580EA418-99F3-1A62-DA01-A9EC53B544EC}"/>
+          </ac:picMkLst>
+        </pc:picChg>
+        <pc:picChg chg="add del mod">
+          <ac:chgData name="Fatima Pillosu" userId="a6295d4dc9e22643" providerId="LiveId" clId="{920D667C-ADD6-43D6-9D4D-BFAA0BFE2292}" dt="2025-07-04T19:50:26.130" v="38" actId="478"/>
+          <ac:picMkLst>
+            <pc:docMk/>
+            <pc:sldMk cId="2481128773" sldId="261"/>
+            <ac:picMk id="5" creationId="{CC06A1F2-03B4-7BA7-EC07-5FD151771991}"/>
+          </ac:picMkLst>
+        </pc:picChg>
+        <pc:picChg chg="del mod">
+          <ac:chgData name="Fatima Pillosu" userId="a6295d4dc9e22643" providerId="LiveId" clId="{920D667C-ADD6-43D6-9D4D-BFAA0BFE2292}" dt="2025-07-04T14:29:47.051" v="26" actId="478"/>
+          <ac:picMkLst>
+            <pc:docMk/>
+            <pc:sldMk cId="2481128773" sldId="261"/>
+            <ac:picMk id="5" creationId="{E8FFDED5-B0C1-CFA6-083C-30B6ABC3E4BA}"/>
+          </ac:picMkLst>
+        </pc:picChg>
+        <pc:picChg chg="add del mod">
+          <ac:chgData name="Fatima Pillosu" userId="a6295d4dc9e22643" providerId="LiveId" clId="{920D667C-ADD6-43D6-9D4D-BFAA0BFE2292}" dt="2025-07-04T19:50:26.130" v="38" actId="478"/>
+          <ac:picMkLst>
+            <pc:docMk/>
+            <pc:sldMk cId="2481128773" sldId="261"/>
+            <ac:picMk id="6" creationId="{17F0DC45-CA24-A542-1873-24203D7400D8}"/>
+          </ac:picMkLst>
+        </pc:picChg>
+        <pc:picChg chg="del mod">
+          <ac:chgData name="Fatima Pillosu" userId="a6295d4dc9e22643" providerId="LiveId" clId="{920D667C-ADD6-43D6-9D4D-BFAA0BFE2292}" dt="2025-07-04T14:29:47.051" v="26" actId="478"/>
+          <ac:picMkLst>
+            <pc:docMk/>
+            <pc:sldMk cId="2481128773" sldId="261"/>
+            <ac:picMk id="7" creationId="{0D99EDCA-3295-2ECD-753A-46B8E5A05A2C}"/>
+          </ac:picMkLst>
+        </pc:picChg>
+        <pc:picChg chg="add mod ord">
+          <ac:chgData name="Fatima Pillosu" userId="a6295d4dc9e22643" providerId="LiveId" clId="{920D667C-ADD6-43D6-9D4D-BFAA0BFE2292}" dt="2025-07-04T19:50:32.810" v="39" actId="553"/>
+          <ac:picMkLst>
+            <pc:docMk/>
+            <pc:sldMk cId="2481128773" sldId="261"/>
+            <ac:picMk id="8" creationId="{362D56EE-4787-B94B-663D-279DBF14747E}"/>
+          </ac:picMkLst>
+        </pc:picChg>
+        <pc:picChg chg="del mod">
+          <ac:chgData name="Fatima Pillosu" userId="a6295d4dc9e22643" providerId="LiveId" clId="{920D667C-ADD6-43D6-9D4D-BFAA0BFE2292}" dt="2025-07-04T14:29:47.051" v="26" actId="478"/>
+          <ac:picMkLst>
+            <pc:docMk/>
+            <pc:sldMk cId="2481128773" sldId="261"/>
+            <ac:picMk id="9" creationId="{7E536ED5-2552-25CF-6304-1B689B555632}"/>
+          </ac:picMkLst>
+        </pc:picChg>
+        <pc:picChg chg="add mod ord">
+          <ac:chgData name="Fatima Pillosu" userId="a6295d4dc9e22643" providerId="LiveId" clId="{920D667C-ADD6-43D6-9D4D-BFAA0BFE2292}" dt="2025-07-04T19:50:48.989" v="55" actId="555"/>
+          <ac:picMkLst>
+            <pc:docMk/>
+            <pc:sldMk cId="2481128773" sldId="261"/>
+            <ac:picMk id="11" creationId="{22A9F6E7-17AB-7FA8-22F2-F5815F4A675A}"/>
+          </ac:picMkLst>
+        </pc:picChg>
+        <pc:picChg chg="add mod ord">
+          <ac:chgData name="Fatima Pillosu" userId="a6295d4dc9e22643" providerId="LiveId" clId="{920D667C-ADD6-43D6-9D4D-BFAA0BFE2292}" dt="2025-07-04T19:50:48.989" v="55" actId="555"/>
+          <ac:picMkLst>
+            <pc:docMk/>
+            <pc:sldMk cId="2481128773" sldId="261"/>
+            <ac:picMk id="13" creationId="{B51D461C-2FB4-0866-32AE-EFDFB2B5AE93}"/>
+          </ac:picMkLst>
+        </pc:picChg>
+        <pc:cxnChg chg="add mod">
+          <ac:chgData name="Fatima Pillosu" userId="a6295d4dc9e22643" providerId="LiveId" clId="{920D667C-ADD6-43D6-9D4D-BFAA0BFE2292}" dt="2025-07-04T19:50:06.579" v="33"/>
+          <ac:cxnSpMkLst>
+            <pc:docMk/>
+            <pc:sldMk cId="2481128773" sldId="261"/>
+            <ac:cxnSpMk id="19" creationId="{7D1C4C1F-B78B-2847-F10E-602533AB77ED}"/>
+          </ac:cxnSpMkLst>
+        </pc:cxnChg>
+        <pc:cxnChg chg="add mod">
+          <ac:chgData name="Fatima Pillosu" userId="a6295d4dc9e22643" providerId="LiveId" clId="{920D667C-ADD6-43D6-9D4D-BFAA0BFE2292}" dt="2025-07-04T19:50:06.579" v="33"/>
+          <ac:cxnSpMkLst>
+            <pc:docMk/>
+            <pc:sldMk cId="2481128773" sldId="261"/>
+            <ac:cxnSpMk id="20" creationId="{54054870-5E28-0DC5-E601-01299FC93DAF}"/>
+          </ac:cxnSpMkLst>
+        </pc:cxnChg>
+        <pc:cxnChg chg="add mod">
+          <ac:chgData name="Fatima Pillosu" userId="a6295d4dc9e22643" providerId="LiveId" clId="{920D667C-ADD6-43D6-9D4D-BFAA0BFE2292}" dt="2025-07-04T19:50:06.579" v="33"/>
+          <ac:cxnSpMkLst>
+            <pc:docMk/>
+            <pc:sldMk cId="2481128773" sldId="261"/>
+            <ac:cxnSpMk id="21" creationId="{9001EB17-02D0-4228-6B7C-D4BF23966AAE}"/>
+          </ac:cxnSpMkLst>
+        </pc:cxnChg>
       </pc:sldChg>
     </pc:docChg>
   </pc:docChgLst>
@@ -6385,7 +6639,7 @@
           <a:p>
             <a:fld id="{F0820250-0589-45C6-A87F-3E34BBC48915}" type="datetimeFigureOut">
               <a:rPr lang="en-GB" smtClean="0"/>
-              <a:t>03/07/2025</a:t>
+              <a:t>04/07/2025</a:t>
             </a:fld>
             <a:endParaRPr lang="en-GB"/>
           </a:p>
@@ -6555,7 +6809,7 @@
           <a:p>
             <a:fld id="{F0820250-0589-45C6-A87F-3E34BBC48915}" type="datetimeFigureOut">
               <a:rPr lang="en-GB" smtClean="0"/>
-              <a:t>03/07/2025</a:t>
+              <a:t>04/07/2025</a:t>
             </a:fld>
             <a:endParaRPr lang="en-GB"/>
           </a:p>
@@ -6735,7 +6989,7 @@
           <a:p>
             <a:fld id="{F0820250-0589-45C6-A87F-3E34BBC48915}" type="datetimeFigureOut">
               <a:rPr lang="en-GB" smtClean="0"/>
-              <a:t>03/07/2025</a:t>
+              <a:t>04/07/2025</a:t>
             </a:fld>
             <a:endParaRPr lang="en-GB"/>
           </a:p>
@@ -6905,7 +7159,7 @@
           <a:p>
             <a:fld id="{F0820250-0589-45C6-A87F-3E34BBC48915}" type="datetimeFigureOut">
               <a:rPr lang="en-GB" smtClean="0"/>
-              <a:t>03/07/2025</a:t>
+              <a:t>04/07/2025</a:t>
             </a:fld>
             <a:endParaRPr lang="en-GB"/>
           </a:p>
@@ -7151,7 +7405,7 @@
           <a:p>
             <a:fld id="{F0820250-0589-45C6-A87F-3E34BBC48915}" type="datetimeFigureOut">
               <a:rPr lang="en-GB" smtClean="0"/>
-              <a:t>03/07/2025</a:t>
+              <a:t>04/07/2025</a:t>
             </a:fld>
             <a:endParaRPr lang="en-GB"/>
           </a:p>
@@ -7383,7 +7637,7 @@
           <a:p>
             <a:fld id="{F0820250-0589-45C6-A87F-3E34BBC48915}" type="datetimeFigureOut">
               <a:rPr lang="en-GB" smtClean="0"/>
-              <a:t>03/07/2025</a:t>
+              <a:t>04/07/2025</a:t>
             </a:fld>
             <a:endParaRPr lang="en-GB"/>
           </a:p>
@@ -7750,7 +8004,7 @@
           <a:p>
             <a:fld id="{F0820250-0589-45C6-A87F-3E34BBC48915}" type="datetimeFigureOut">
               <a:rPr lang="en-GB" smtClean="0"/>
-              <a:t>03/07/2025</a:t>
+              <a:t>04/07/2025</a:t>
             </a:fld>
             <a:endParaRPr lang="en-GB"/>
           </a:p>
@@ -7868,7 +8122,7 @@
           <a:p>
             <a:fld id="{F0820250-0589-45C6-A87F-3E34BBC48915}" type="datetimeFigureOut">
               <a:rPr lang="en-GB" smtClean="0"/>
-              <a:t>03/07/2025</a:t>
+              <a:t>04/07/2025</a:t>
             </a:fld>
             <a:endParaRPr lang="en-GB"/>
           </a:p>
@@ -7963,7 +8217,7 @@
           <a:p>
             <a:fld id="{F0820250-0589-45C6-A87F-3E34BBC48915}" type="datetimeFigureOut">
               <a:rPr lang="en-GB" smtClean="0"/>
-              <a:t>03/07/2025</a:t>
+              <a:t>04/07/2025</a:t>
             </a:fld>
             <a:endParaRPr lang="en-GB"/>
           </a:p>
@@ -8240,7 +8494,7 @@
           <a:p>
             <a:fld id="{F0820250-0589-45C6-A87F-3E34BBC48915}" type="datetimeFigureOut">
               <a:rPr lang="en-GB" smtClean="0"/>
-              <a:t>03/07/2025</a:t>
+              <a:t>04/07/2025</a:t>
             </a:fld>
             <a:endParaRPr lang="en-GB"/>
           </a:p>
@@ -8497,7 +8751,7 @@
           <a:p>
             <a:fld id="{F0820250-0589-45C6-A87F-3E34BBC48915}" type="datetimeFigureOut">
               <a:rPr lang="en-GB" smtClean="0"/>
-              <a:t>03/07/2025</a:t>
+              <a:t>04/07/2025</a:t>
             </a:fld>
             <a:endParaRPr lang="en-GB"/>
           </a:p>
@@ -8710,7 +8964,7 @@
           <a:p>
             <a:fld id="{F0820250-0589-45C6-A87F-3E34BBC48915}" type="datetimeFigureOut">
               <a:rPr lang="en-GB" smtClean="0"/>
-              <a:t>03/07/2025</a:t>
+              <a:t>04/07/2025</a:t>
             </a:fld>
             <a:endParaRPr lang="en-GB"/>
           </a:p>
@@ -9117,10 +9371,10 @@
       </p:grpSpPr>
       <p:pic>
         <p:nvPicPr>
-          <p:cNvPr id="3" name="Picture 2" descr="A graph of a number of objects&#10;&#10;AI-generated content may be incorrect.">
+          <p:cNvPr id="4" name="Picture 3" descr="A graph of a number of bars&#10;&#10;AI-generated content may be incorrect.">
             <a:extLst>
               <a:ext uri="{FF2B5EF4-FFF2-40B4-BE49-F238E27FC236}">
-                <a16:creationId xmlns:a16="http://schemas.microsoft.com/office/drawing/2014/main" id="{B96DA2C8-39B5-35E0-BBCF-9BBB9E91EB89}"/>
+                <a16:creationId xmlns:a16="http://schemas.microsoft.com/office/drawing/2014/main" id="{580EA418-99F3-1A62-DA01-A9EC53B544EC}"/>
               </a:ext>
             </a:extLst>
           </p:cNvPr>
@@ -9143,8 +9397,8 @@
         </p:blipFill>
         <p:spPr>
           <a:xfrm>
-            <a:off x="301240" y="477863"/>
-            <a:ext cx="2025000" cy="1620000"/>
+            <a:off x="301240" y="963471"/>
+            <a:ext cx="1800000" cy="1440000"/>
           </a:xfrm>
           <a:prstGeom prst="rect">
             <a:avLst/>
@@ -9153,10 +9407,10 @@
       </p:pic>
       <p:pic>
         <p:nvPicPr>
-          <p:cNvPr id="5" name="Picture 4" descr="A graph of a number of objects&#10;&#10;AI-generated content may be incorrect.">
+          <p:cNvPr id="8" name="Picture 7" descr="A graph with red and white squares&#10;&#10;AI-generated content may be incorrect.">
             <a:extLst>
               <a:ext uri="{FF2B5EF4-FFF2-40B4-BE49-F238E27FC236}">
-                <a16:creationId xmlns:a16="http://schemas.microsoft.com/office/drawing/2014/main" id="{E8FFDED5-B0C1-CFA6-083C-30B6ABC3E4BA}"/>
+                <a16:creationId xmlns:a16="http://schemas.microsoft.com/office/drawing/2014/main" id="{362D56EE-4787-B94B-663D-279DBF14747E}"/>
               </a:ext>
             </a:extLst>
           </p:cNvPr>
@@ -9179,8 +9433,8 @@
         </p:blipFill>
         <p:spPr>
           <a:xfrm>
-            <a:off x="2295035" y="477863"/>
-            <a:ext cx="2025000" cy="1620000"/>
+            <a:off x="2456960" y="963471"/>
+            <a:ext cx="1800000" cy="1440000"/>
           </a:xfrm>
           <a:prstGeom prst="rect">
             <a:avLst/>
@@ -9189,10 +9443,10 @@
       </p:pic>
       <p:pic>
         <p:nvPicPr>
-          <p:cNvPr id="7" name="Picture 6" descr="A graph of a number of numbers&#10;&#10;AI-generated content may be incorrect.">
+          <p:cNvPr id="11" name="Picture 10" descr="A graph of a number of numbers&#10;&#10;AI-generated content may be incorrect.">
             <a:extLst>
               <a:ext uri="{FF2B5EF4-FFF2-40B4-BE49-F238E27FC236}">
-                <a16:creationId xmlns:a16="http://schemas.microsoft.com/office/drawing/2014/main" id="{0D99EDCA-3295-2ECD-753A-46B8E5A05A2C}"/>
+                <a16:creationId xmlns:a16="http://schemas.microsoft.com/office/drawing/2014/main" id="{22A9F6E7-17AB-7FA8-22F2-F5815F4A675A}"/>
               </a:ext>
             </a:extLst>
           </p:cNvPr>
@@ -9215,8 +9469,8 @@
         </p:blipFill>
         <p:spPr>
           <a:xfrm>
-            <a:off x="301240" y="2047181"/>
-            <a:ext cx="2025000" cy="1620000"/>
+            <a:off x="301240" y="2247206"/>
+            <a:ext cx="1800000" cy="1440000"/>
           </a:xfrm>
           <a:prstGeom prst="rect">
             <a:avLst/>
@@ -9225,10 +9479,10 @@
       </p:pic>
       <p:pic>
         <p:nvPicPr>
-          <p:cNvPr id="9" name="Picture 8" descr="A graph of a number of numbers&#10;&#10;AI-generated content may be incorrect.">
+          <p:cNvPr id="13" name="Picture 12" descr="A graph of a number of numbers&#10;&#10;AI-generated content may be incorrect.">
             <a:extLst>
               <a:ext uri="{FF2B5EF4-FFF2-40B4-BE49-F238E27FC236}">
-                <a16:creationId xmlns:a16="http://schemas.microsoft.com/office/drawing/2014/main" id="{7E536ED5-2552-25CF-6304-1B689B555632}"/>
+                <a16:creationId xmlns:a16="http://schemas.microsoft.com/office/drawing/2014/main" id="{B51D461C-2FB4-0866-32AE-EFDFB2B5AE93}"/>
               </a:ext>
             </a:extLst>
           </p:cNvPr>
@@ -9251,8 +9505,8 @@
         </p:blipFill>
         <p:spPr>
           <a:xfrm>
-            <a:off x="2295035" y="2047181"/>
-            <a:ext cx="2025000" cy="1620000"/>
+            <a:off x="2456960" y="2247206"/>
+            <a:ext cx="1800000" cy="1440000"/>
           </a:xfrm>
           <a:prstGeom prst="rect">
             <a:avLst/>
@@ -9261,10 +9515,10 @@
       </p:pic>
       <p:sp>
         <p:nvSpPr>
-          <p:cNvPr id="24" name="Rectangle 23">
+          <p:cNvPr id="7" name="Rectangle 6">
             <a:extLst>
               <a:ext uri="{FF2B5EF4-FFF2-40B4-BE49-F238E27FC236}">
-                <a16:creationId xmlns:a16="http://schemas.microsoft.com/office/drawing/2014/main" id="{7CA80247-944D-A79D-DD75-278A2FC157C4}"/>
+                <a16:creationId xmlns:a16="http://schemas.microsoft.com/office/drawing/2014/main" id="{A95D2C98-D609-E87E-8BF3-B1364D1C2B56}"/>
               </a:ext>
             </a:extLst>
           </p:cNvPr>
@@ -9273,7 +9527,7 @@
         </p:nvSpPr>
         <p:spPr>
           <a:xfrm>
-            <a:off x="-79367" y="-78003"/>
+            <a:off x="-79367" y="-63564"/>
             <a:ext cx="4816284" cy="425015"/>
           </a:xfrm>
           <a:prstGeom prst="rect">
@@ -9305,7 +9559,7 @@
           <a:lstStyle/>
           <a:p>
             <a:r>
-              <a:rPr lang="en-GB" sz="1333" b="1" dirty="0">
+              <a:rPr lang="en-GB" sz="1200" b="1" dirty="0">
                 <a:solidFill>
                   <a:schemeClr val="tx1">
                     <a:lumMod val="75000"/>
@@ -9315,12 +9569,48 @@
                 <a:latin typeface="Calibri" panose="020F0502020204030204" pitchFamily="34" charset="0"/>
                 <a:cs typeface="Calibri" panose="020F0502020204030204" pitchFamily="34" charset="0"/>
               </a:rPr>
-              <a:t>Optuna hyperparameter importance</a:t>
+              <a:t>Optuna’s hyperparameter tuning – Hyperparameter importance</a:t>
             </a:r>
           </a:p>
           <a:p>
             <a:r>
-              <a:rPr lang="en-GB" sz="1111" dirty="0">
+              <a:rPr lang="en-GB" sz="1000" dirty="0">
+                <a:solidFill>
+                  <a:schemeClr val="tx1">
+                    <a:lumMod val="75000"/>
+                    <a:lumOff val="25000"/>
+                  </a:schemeClr>
+                </a:solidFill>
+                <a:latin typeface="Calibri Light" panose="020F0302020204030204" pitchFamily="34" charset="0"/>
+                <a:cs typeface="Calibri Light" panose="020F0302020204030204" pitchFamily="34" charset="0"/>
+              </a:rPr>
+              <a:t>Evaluated over the </a:t>
+            </a:r>
+            <a:r>
+              <a:rPr lang="en-GB" sz="1000" b="1" dirty="0">
+                <a:solidFill>
+                  <a:srgbClr val="FF0066"/>
+                </a:solidFill>
+                <a:latin typeface="Calibri" panose="020F0502020204030204" pitchFamily="34" charset="0"/>
+                <a:cs typeface="Calibri" panose="020F0502020204030204" pitchFamily="34" charset="0"/>
+              </a:rPr>
+              <a:t>inner training </a:t>
+            </a:r>
+            <a:r>
+              <a:rPr lang="en-GB" sz="1000" dirty="0">
+                <a:solidFill>
+                  <a:schemeClr val="tx1">
+                    <a:lumMod val="75000"/>
+                    <a:lumOff val="25000"/>
+                  </a:schemeClr>
+                </a:solidFill>
+                <a:latin typeface="Calibri Light" panose="020F0302020204030204" pitchFamily="34" charset="0"/>
+                <a:cs typeface="Calibri Light" panose="020F0302020204030204" pitchFamily="34" charset="0"/>
+              </a:rPr>
+              <a:t>datasets for </a:t>
+            </a:r>
+            <a:r>
+              <a:rPr lang="en-GB" sz="1000" u="sng" dirty="0">
                 <a:solidFill>
                   <a:schemeClr val="tx1">
                     <a:lumMod val="75000"/>
@@ -9337,10 +9627,10 @@
       </p:sp>
       <p:sp>
         <p:nvSpPr>
-          <p:cNvPr id="25" name="Rectangle 24">
+          <p:cNvPr id="9" name="Rectangle 8">
             <a:extLst>
               <a:ext uri="{FF2B5EF4-FFF2-40B4-BE49-F238E27FC236}">
-                <a16:creationId xmlns:a16="http://schemas.microsoft.com/office/drawing/2014/main" id="{11D0BEA8-4C97-735F-B454-B20FE6FD6664}"/>
+                <a16:creationId xmlns:a16="http://schemas.microsoft.com/office/drawing/2014/main" id="{CCBB571A-53DD-896D-E196-1912E8475CAC}"/>
               </a:ext>
             </a:extLst>
           </p:cNvPr>
@@ -9349,8 +9639,8 @@
         </p:nvSpPr>
         <p:spPr>
           <a:xfrm>
-            <a:off x="-65904" y="560685"/>
-            <a:ext cx="360000" cy="1285103"/>
+            <a:off x="-65904" y="1019257"/>
+            <a:ext cx="360000" cy="1167935"/>
           </a:xfrm>
           <a:prstGeom prst="rect">
             <a:avLst/>
@@ -9425,10 +9715,10 @@
       </p:sp>
       <p:sp>
         <p:nvSpPr>
-          <p:cNvPr id="26" name="Rectangle 25">
+          <p:cNvPr id="10" name="Rectangle 9">
             <a:extLst>
               <a:ext uri="{FF2B5EF4-FFF2-40B4-BE49-F238E27FC236}">
-                <a16:creationId xmlns:a16="http://schemas.microsoft.com/office/drawing/2014/main" id="{C958D7B8-BC29-7508-F405-77D6128B8AFF}"/>
+                <a16:creationId xmlns:a16="http://schemas.microsoft.com/office/drawing/2014/main" id="{A9D2540C-7318-CE44-8EE5-12C53CBC049C}"/>
               </a:ext>
             </a:extLst>
           </p:cNvPr>
@@ -9437,8 +9727,8 @@
         </p:nvSpPr>
         <p:spPr>
           <a:xfrm>
-            <a:off x="-65904" y="2069288"/>
-            <a:ext cx="360000" cy="1345818"/>
+            <a:off x="-65904" y="2299485"/>
+            <a:ext cx="360000" cy="1167935"/>
           </a:xfrm>
           <a:prstGeom prst="rect">
             <a:avLst/>
@@ -9513,10 +9803,10 @@
       </p:sp>
       <p:sp>
         <p:nvSpPr>
-          <p:cNvPr id="31" name="Rectangle 30">
+          <p:cNvPr id="12" name="Rectangle 11">
             <a:extLst>
               <a:ext uri="{FF2B5EF4-FFF2-40B4-BE49-F238E27FC236}">
-                <a16:creationId xmlns:a16="http://schemas.microsoft.com/office/drawing/2014/main" id="{204795FA-B9E8-F8C0-D0CC-0DA8FCD26B47}"/>
+                <a16:creationId xmlns:a16="http://schemas.microsoft.com/office/drawing/2014/main" id="{799B682B-14C1-FB18-1367-54FCE7D13DDD}"/>
               </a:ext>
             </a:extLst>
           </p:cNvPr>
@@ -9525,8 +9815,8 @@
         </p:nvSpPr>
         <p:spPr>
           <a:xfrm>
-            <a:off x="840259" y="353649"/>
-            <a:ext cx="1421770" cy="180000"/>
+            <a:off x="787179" y="830711"/>
+            <a:ext cx="1237375" cy="180000"/>
           </a:xfrm>
           <a:prstGeom prst="rect">
             <a:avLst/>
@@ -9585,10 +9875,10 @@
       </p:sp>
       <p:sp>
         <p:nvSpPr>
-          <p:cNvPr id="32" name="Rectangle 31">
+          <p:cNvPr id="14" name="Rectangle 13">
             <a:extLst>
               <a:ext uri="{FF2B5EF4-FFF2-40B4-BE49-F238E27FC236}">
-                <a16:creationId xmlns:a16="http://schemas.microsoft.com/office/drawing/2014/main" id="{AEF58A4C-D7E5-1DB7-8CBA-638A2D2BAD88}"/>
+                <a16:creationId xmlns:a16="http://schemas.microsoft.com/office/drawing/2014/main" id="{BF5B867D-BE20-D43B-71B6-3C7997E3B662}"/>
               </a:ext>
             </a:extLst>
           </p:cNvPr>
@@ -9597,8 +9887,8 @@
         </p:nvSpPr>
         <p:spPr>
           <a:xfrm>
-            <a:off x="2832306" y="355747"/>
-            <a:ext cx="1421771" cy="180000"/>
+            <a:off x="2882347" y="825794"/>
+            <a:ext cx="1302629" cy="177902"/>
           </a:xfrm>
           <a:prstGeom prst="rect">
             <a:avLst/>
@@ -9651,6 +9941,538 @@
               </a:solidFill>
               <a:latin typeface="Calibri" panose="020F0502020204030204" pitchFamily="34" charset="0"/>
               <a:cs typeface="Calibri" panose="020F0502020204030204" pitchFamily="34" charset="0"/>
+            </a:endParaRPr>
+          </a:p>
+        </p:txBody>
+      </p:sp>
+      <p:sp>
+        <p:nvSpPr>
+          <p:cNvPr id="15" name="Rectangle 14">
+            <a:extLst>
+              <a:ext uri="{FF2B5EF4-FFF2-40B4-BE49-F238E27FC236}">
+                <a16:creationId xmlns:a16="http://schemas.microsoft.com/office/drawing/2014/main" id="{7AD9178F-7A4A-50FD-8DB4-52F47C753C1B}"/>
+              </a:ext>
+            </a:extLst>
+          </p:cNvPr>
+          <p:cNvSpPr/>
+          <p:nvPr/>
+        </p:nvSpPr>
+        <p:spPr>
+          <a:xfrm>
+            <a:off x="1600897" y="535468"/>
+            <a:ext cx="493980" cy="255919"/>
+          </a:xfrm>
+          <a:prstGeom prst="rect">
+            <a:avLst/>
+          </a:prstGeom>
+          <a:noFill/>
+          <a:ln w="3175">
+            <a:noFill/>
+          </a:ln>
+        </p:spPr>
+        <p:style>
+          <a:lnRef idx="2">
+            <a:schemeClr val="accent1">
+              <a:shade val="15000"/>
+            </a:schemeClr>
+          </a:lnRef>
+          <a:fillRef idx="1">
+            <a:schemeClr val="accent1"/>
+          </a:fillRef>
+          <a:effectRef idx="0">
+            <a:schemeClr val="accent1"/>
+          </a:effectRef>
+          <a:fontRef idx="minor">
+            <a:schemeClr val="lt1"/>
+          </a:fontRef>
+        </p:style>
+        <p:txBody>
+          <a:bodyPr rtlCol="0" anchor="ctr"/>
+          <a:lstStyle/>
+          <a:p>
+            <a:pPr algn="ctr"/>
+            <a:r>
+              <a:rPr lang="en-US" sz="800" dirty="0">
+                <a:solidFill>
+                  <a:schemeClr val="tx1">
+                    <a:lumMod val="75000"/>
+                    <a:lumOff val="25000"/>
+                  </a:schemeClr>
+                </a:solidFill>
+                <a:latin typeface="Calibri Light" panose="020F0302020204030204" pitchFamily="34" charset="0"/>
+                <a:cs typeface="Calibri Light" panose="020F0302020204030204" pitchFamily="34" charset="0"/>
+              </a:rPr>
+              <a:t>mean</a:t>
+            </a:r>
+            <a:endParaRPr lang="en-GB" sz="800" dirty="0">
+              <a:solidFill>
+                <a:schemeClr val="tx1">
+                  <a:lumMod val="75000"/>
+                  <a:lumOff val="25000"/>
+                </a:schemeClr>
+              </a:solidFill>
+              <a:latin typeface="Calibri Light" panose="020F0302020204030204" pitchFamily="34" charset="0"/>
+              <a:cs typeface="Calibri Light" panose="020F0302020204030204" pitchFamily="34" charset="0"/>
+            </a:endParaRPr>
+          </a:p>
+        </p:txBody>
+      </p:sp>
+      <p:sp>
+        <p:nvSpPr>
+          <p:cNvPr id="16" name="Rectangle 15">
+            <a:extLst>
+              <a:ext uri="{FF2B5EF4-FFF2-40B4-BE49-F238E27FC236}">
+                <a16:creationId xmlns:a16="http://schemas.microsoft.com/office/drawing/2014/main" id="{0604F270-58A5-C9CB-A8D3-B4D696D39C7A}"/>
+              </a:ext>
+            </a:extLst>
+          </p:cNvPr>
+          <p:cNvSpPr/>
+          <p:nvPr/>
+        </p:nvSpPr>
+        <p:spPr>
+          <a:xfrm>
+            <a:off x="2357575" y="562591"/>
+            <a:ext cx="1003153" cy="185815"/>
+          </a:xfrm>
+          <a:prstGeom prst="rect">
+            <a:avLst/>
+          </a:prstGeom>
+          <a:noFill/>
+          <a:ln w="3175">
+            <a:noFill/>
+          </a:ln>
+        </p:spPr>
+        <p:style>
+          <a:lnRef idx="2">
+            <a:schemeClr val="accent1">
+              <a:shade val="15000"/>
+            </a:schemeClr>
+          </a:lnRef>
+          <a:fillRef idx="1">
+            <a:schemeClr val="accent1"/>
+          </a:fillRef>
+          <a:effectRef idx="0">
+            <a:schemeClr val="accent1"/>
+          </a:effectRef>
+          <a:fontRef idx="minor">
+            <a:schemeClr val="lt1"/>
+          </a:fontRef>
+        </p:style>
+        <p:txBody>
+          <a:bodyPr rtlCol="0" anchor="ctr"/>
+          <a:lstStyle/>
+          <a:p>
+            <a:pPr algn="ctr"/>
+            <a:r>
+              <a:rPr lang="en-US" sz="800" dirty="0">
+                <a:solidFill>
+                  <a:schemeClr val="tx1">
+                    <a:lumMod val="75000"/>
+                    <a:lumOff val="25000"/>
+                  </a:schemeClr>
+                </a:solidFill>
+                <a:latin typeface="Calibri Light" panose="020F0302020204030204" pitchFamily="34" charset="0"/>
+                <a:cs typeface="Calibri Light" panose="020F0302020204030204" pitchFamily="34" charset="0"/>
+              </a:rPr>
+              <a:t>over Optuna’s trials</a:t>
+            </a:r>
+            <a:endParaRPr lang="en-GB" sz="800" dirty="0">
+              <a:solidFill>
+                <a:schemeClr val="tx1">
+                  <a:lumMod val="75000"/>
+                  <a:lumOff val="25000"/>
+                </a:schemeClr>
+              </a:solidFill>
+              <a:latin typeface="Calibri Light" panose="020F0302020204030204" pitchFamily="34" charset="0"/>
+              <a:cs typeface="Calibri Light" panose="020F0302020204030204" pitchFamily="34" charset="0"/>
+            </a:endParaRPr>
+          </a:p>
+        </p:txBody>
+      </p:sp>
+      <p:sp>
+        <p:nvSpPr>
+          <p:cNvPr id="17" name="Rectangle 16">
+            <a:extLst>
+              <a:ext uri="{FF2B5EF4-FFF2-40B4-BE49-F238E27FC236}">
+                <a16:creationId xmlns:a16="http://schemas.microsoft.com/office/drawing/2014/main" id="{EA1B7902-03D4-D94F-9C44-264210197DE6}"/>
+              </a:ext>
+            </a:extLst>
+          </p:cNvPr>
+          <p:cNvSpPr/>
+          <p:nvPr/>
+        </p:nvSpPr>
+        <p:spPr>
+          <a:xfrm>
+            <a:off x="1206191" y="411277"/>
+            <a:ext cx="2083938" cy="328339"/>
+          </a:xfrm>
+          <a:prstGeom prst="rect">
+            <a:avLst/>
+          </a:prstGeom>
+          <a:noFill/>
+          <a:ln w="3175">
+            <a:solidFill>
+              <a:schemeClr val="bg1">
+                <a:lumMod val="85000"/>
+              </a:schemeClr>
+            </a:solidFill>
+          </a:ln>
+        </p:spPr>
+        <p:style>
+          <a:lnRef idx="2">
+            <a:schemeClr val="accent1">
+              <a:shade val="15000"/>
+            </a:schemeClr>
+          </a:lnRef>
+          <a:fillRef idx="1">
+            <a:schemeClr val="accent1"/>
+          </a:fillRef>
+          <a:effectRef idx="0">
+            <a:schemeClr val="accent1"/>
+          </a:effectRef>
+          <a:fontRef idx="minor">
+            <a:schemeClr val="lt1"/>
+          </a:fontRef>
+        </p:style>
+        <p:txBody>
+          <a:bodyPr rtlCol="0" anchor="ctr"/>
+          <a:lstStyle/>
+          <a:p>
+            <a:pPr algn="ctr"/>
+            <a:endParaRPr lang="en-GB"/>
+          </a:p>
+        </p:txBody>
+      </p:sp>
+      <p:sp>
+        <p:nvSpPr>
+          <p:cNvPr id="18" name="Rectangle 17">
+            <a:extLst>
+              <a:ext uri="{FF2B5EF4-FFF2-40B4-BE49-F238E27FC236}">
+                <a16:creationId xmlns:a16="http://schemas.microsoft.com/office/drawing/2014/main" id="{34DB0933-CB7F-00E7-228E-CA8A963E6B88}"/>
+              </a:ext>
+            </a:extLst>
+          </p:cNvPr>
+          <p:cNvSpPr/>
+          <p:nvPr/>
+        </p:nvSpPr>
+        <p:spPr>
+          <a:xfrm>
+            <a:off x="1252206" y="464603"/>
+            <a:ext cx="589841" cy="136427"/>
+          </a:xfrm>
+          <a:prstGeom prst="rect">
+            <a:avLst/>
+          </a:prstGeom>
+          <a:solidFill>
+            <a:srgbClr val="FF0066"/>
+          </a:solidFill>
+          <a:ln>
+            <a:noFill/>
+          </a:ln>
+        </p:spPr>
+        <p:style>
+          <a:lnRef idx="2">
+            <a:schemeClr val="accent1">
+              <a:shade val="15000"/>
+            </a:schemeClr>
+          </a:lnRef>
+          <a:fillRef idx="1">
+            <a:schemeClr val="accent1"/>
+          </a:fillRef>
+          <a:effectRef idx="0">
+            <a:schemeClr val="accent1"/>
+          </a:effectRef>
+          <a:fontRef idx="minor">
+            <a:schemeClr val="lt1"/>
+          </a:fontRef>
+        </p:style>
+        <p:txBody>
+          <a:bodyPr rtlCol="0" anchor="ctr"/>
+          <a:lstStyle/>
+          <a:p>
+            <a:pPr algn="ctr"/>
+            <a:endParaRPr lang="en-GB"/>
+          </a:p>
+        </p:txBody>
+      </p:sp>
+      <p:cxnSp>
+        <p:nvCxnSpPr>
+          <p:cNvPr id="19" name="Straight Connector 18">
+            <a:extLst>
+              <a:ext uri="{FF2B5EF4-FFF2-40B4-BE49-F238E27FC236}">
+                <a16:creationId xmlns:a16="http://schemas.microsoft.com/office/drawing/2014/main" id="{7D1C4C1F-B78B-2847-F10E-602533AB77ED}"/>
+              </a:ext>
+            </a:extLst>
+          </p:cNvPr>
+          <p:cNvCxnSpPr>
+            <a:cxnSpLocks/>
+          </p:cNvCxnSpPr>
+          <p:nvPr/>
+        </p:nvCxnSpPr>
+        <p:spPr>
+          <a:xfrm>
+            <a:off x="1528257" y="532816"/>
+            <a:ext cx="720000" cy="0"/>
+          </a:xfrm>
+          <a:prstGeom prst="line">
+            <a:avLst/>
+          </a:prstGeom>
+          <a:ln w="12700">
+            <a:solidFill>
+              <a:schemeClr val="tx1">
+                <a:lumMod val="75000"/>
+                <a:lumOff val="25000"/>
+              </a:schemeClr>
+            </a:solidFill>
+          </a:ln>
+        </p:spPr>
+        <p:style>
+          <a:lnRef idx="2">
+            <a:schemeClr val="accent1"/>
+          </a:lnRef>
+          <a:fillRef idx="0">
+            <a:schemeClr val="accent1"/>
+          </a:fillRef>
+          <a:effectRef idx="1">
+            <a:schemeClr val="accent1"/>
+          </a:effectRef>
+          <a:fontRef idx="minor">
+            <a:schemeClr val="tx1"/>
+          </a:fontRef>
+        </p:style>
+      </p:cxnSp>
+      <p:cxnSp>
+        <p:nvCxnSpPr>
+          <p:cNvPr id="20" name="Straight Connector 19">
+            <a:extLst>
+              <a:ext uri="{FF2B5EF4-FFF2-40B4-BE49-F238E27FC236}">
+                <a16:creationId xmlns:a16="http://schemas.microsoft.com/office/drawing/2014/main" id="{54054870-5E28-0DC5-E601-01299FC93DAF}"/>
+              </a:ext>
+            </a:extLst>
+          </p:cNvPr>
+          <p:cNvCxnSpPr>
+            <a:cxnSpLocks/>
+          </p:cNvCxnSpPr>
+          <p:nvPr/>
+        </p:nvCxnSpPr>
+        <p:spPr>
+          <a:xfrm rot="5400000">
+            <a:off x="2212633" y="532816"/>
+            <a:ext cx="90000" cy="0"/>
+          </a:xfrm>
+          <a:prstGeom prst="line">
+            <a:avLst/>
+          </a:prstGeom>
+          <a:ln w="12700">
+            <a:solidFill>
+              <a:schemeClr val="tx1">
+                <a:lumMod val="75000"/>
+                <a:lumOff val="25000"/>
+              </a:schemeClr>
+            </a:solidFill>
+          </a:ln>
+        </p:spPr>
+        <p:style>
+          <a:lnRef idx="2">
+            <a:schemeClr val="accent1"/>
+          </a:lnRef>
+          <a:fillRef idx="0">
+            <a:schemeClr val="accent1"/>
+          </a:fillRef>
+          <a:effectRef idx="1">
+            <a:schemeClr val="accent1"/>
+          </a:effectRef>
+          <a:fontRef idx="minor">
+            <a:schemeClr val="tx1"/>
+          </a:fontRef>
+        </p:style>
+      </p:cxnSp>
+      <p:cxnSp>
+        <p:nvCxnSpPr>
+          <p:cNvPr id="21" name="Straight Connector 20">
+            <a:extLst>
+              <a:ext uri="{FF2B5EF4-FFF2-40B4-BE49-F238E27FC236}">
+                <a16:creationId xmlns:a16="http://schemas.microsoft.com/office/drawing/2014/main" id="{9001EB17-02D0-4228-6B7C-D4BF23966AAE}"/>
+              </a:ext>
+            </a:extLst>
+          </p:cNvPr>
+          <p:cNvCxnSpPr>
+            <a:cxnSpLocks/>
+          </p:cNvCxnSpPr>
+          <p:nvPr/>
+        </p:nvCxnSpPr>
+        <p:spPr>
+          <a:xfrm rot="5400000">
+            <a:off x="1483257" y="532816"/>
+            <a:ext cx="90000" cy="0"/>
+          </a:xfrm>
+          <a:prstGeom prst="line">
+            <a:avLst/>
+          </a:prstGeom>
+          <a:ln w="12700">
+            <a:solidFill>
+              <a:schemeClr val="tx1">
+                <a:lumMod val="75000"/>
+                <a:lumOff val="25000"/>
+              </a:schemeClr>
+            </a:solidFill>
+          </a:ln>
+        </p:spPr>
+        <p:style>
+          <a:lnRef idx="2">
+            <a:schemeClr val="accent1"/>
+          </a:lnRef>
+          <a:fillRef idx="0">
+            <a:schemeClr val="accent1"/>
+          </a:fillRef>
+          <a:effectRef idx="1">
+            <a:schemeClr val="accent1"/>
+          </a:effectRef>
+          <a:fontRef idx="minor">
+            <a:schemeClr val="tx1"/>
+          </a:fontRef>
+        </p:style>
+      </p:cxnSp>
+      <p:sp>
+        <p:nvSpPr>
+          <p:cNvPr id="22" name="Rectangle 21">
+            <a:extLst>
+              <a:ext uri="{FF2B5EF4-FFF2-40B4-BE49-F238E27FC236}">
+                <a16:creationId xmlns:a16="http://schemas.microsoft.com/office/drawing/2014/main" id="{8F237DCB-9195-7378-AC05-BE7B0B1086E5}"/>
+              </a:ext>
+            </a:extLst>
+          </p:cNvPr>
+          <p:cNvSpPr/>
+          <p:nvPr/>
+        </p:nvSpPr>
+        <p:spPr>
+          <a:xfrm>
+            <a:off x="1281075" y="535468"/>
+            <a:ext cx="493980" cy="255919"/>
+          </a:xfrm>
+          <a:prstGeom prst="rect">
+            <a:avLst/>
+          </a:prstGeom>
+          <a:noFill/>
+          <a:ln w="3175">
+            <a:noFill/>
+          </a:ln>
+        </p:spPr>
+        <p:style>
+          <a:lnRef idx="2">
+            <a:schemeClr val="accent1">
+              <a:shade val="15000"/>
+            </a:schemeClr>
+          </a:lnRef>
+          <a:fillRef idx="1">
+            <a:schemeClr val="accent1"/>
+          </a:fillRef>
+          <a:effectRef idx="0">
+            <a:schemeClr val="accent1"/>
+          </a:effectRef>
+          <a:fontRef idx="minor">
+            <a:schemeClr val="lt1"/>
+          </a:fontRef>
+        </p:style>
+        <p:txBody>
+          <a:bodyPr rtlCol="0" anchor="ctr"/>
+          <a:lstStyle/>
+          <a:p>
+            <a:pPr algn="ctr"/>
+            <a:r>
+              <a:rPr lang="en-US" sz="800" dirty="0">
+                <a:solidFill>
+                  <a:schemeClr val="tx1">
+                    <a:lumMod val="75000"/>
+                    <a:lumOff val="25000"/>
+                  </a:schemeClr>
+                </a:solidFill>
+                <a:latin typeface="Calibri Light" panose="020F0302020204030204" pitchFamily="34" charset="0"/>
+                <a:cs typeface="Calibri Light" panose="020F0302020204030204" pitchFamily="34" charset="0"/>
+              </a:rPr>
+              <a:t>min</a:t>
+            </a:r>
+            <a:endParaRPr lang="en-GB" sz="800" dirty="0">
+              <a:solidFill>
+                <a:schemeClr val="tx1">
+                  <a:lumMod val="75000"/>
+                  <a:lumOff val="25000"/>
+                </a:schemeClr>
+              </a:solidFill>
+              <a:latin typeface="Calibri Light" panose="020F0302020204030204" pitchFamily="34" charset="0"/>
+              <a:cs typeface="Calibri Light" panose="020F0302020204030204" pitchFamily="34" charset="0"/>
+            </a:endParaRPr>
+          </a:p>
+        </p:txBody>
+      </p:sp>
+      <p:sp>
+        <p:nvSpPr>
+          <p:cNvPr id="23" name="Rectangle 22">
+            <a:extLst>
+              <a:ext uri="{FF2B5EF4-FFF2-40B4-BE49-F238E27FC236}">
+                <a16:creationId xmlns:a16="http://schemas.microsoft.com/office/drawing/2014/main" id="{047CE1CD-049B-F3DD-EF30-4C0F53130A8B}"/>
+              </a:ext>
+            </a:extLst>
+          </p:cNvPr>
+          <p:cNvSpPr/>
+          <p:nvPr/>
+        </p:nvSpPr>
+        <p:spPr>
+          <a:xfrm>
+            <a:off x="2010205" y="535468"/>
+            <a:ext cx="493980" cy="255919"/>
+          </a:xfrm>
+          <a:prstGeom prst="rect">
+            <a:avLst/>
+          </a:prstGeom>
+          <a:noFill/>
+          <a:ln w="3175">
+            <a:noFill/>
+          </a:ln>
+        </p:spPr>
+        <p:style>
+          <a:lnRef idx="2">
+            <a:schemeClr val="accent1">
+              <a:shade val="15000"/>
+            </a:schemeClr>
+          </a:lnRef>
+          <a:fillRef idx="1">
+            <a:schemeClr val="accent1"/>
+          </a:fillRef>
+          <a:effectRef idx="0">
+            <a:schemeClr val="accent1"/>
+          </a:effectRef>
+          <a:fontRef idx="minor">
+            <a:schemeClr val="lt1"/>
+          </a:fontRef>
+        </p:style>
+        <p:txBody>
+          <a:bodyPr rtlCol="0" anchor="ctr"/>
+          <a:lstStyle/>
+          <a:p>
+            <a:pPr algn="ctr"/>
+            <a:r>
+              <a:rPr lang="en-US" sz="800" dirty="0">
+                <a:solidFill>
+                  <a:schemeClr val="tx1">
+                    <a:lumMod val="75000"/>
+                    <a:lumOff val="25000"/>
+                  </a:schemeClr>
+                </a:solidFill>
+                <a:latin typeface="Calibri Light" panose="020F0302020204030204" pitchFamily="34" charset="0"/>
+                <a:cs typeface="Calibri Light" panose="020F0302020204030204" pitchFamily="34" charset="0"/>
+              </a:rPr>
+              <a:t>max</a:t>
+            </a:r>
+            <a:endParaRPr lang="en-GB" sz="800" dirty="0">
+              <a:solidFill>
+                <a:schemeClr val="tx1">
+                  <a:lumMod val="75000"/>
+                  <a:lumOff val="25000"/>
+                </a:schemeClr>
+              </a:solidFill>
+              <a:latin typeface="Calibri Light" panose="020F0302020204030204" pitchFamily="34" charset="0"/>
+              <a:cs typeface="Calibri Light" panose="020F0302020204030204" pitchFamily="34" charset="0"/>
             </a:endParaRPr>
           </a:p>
         </p:txBody>
